--- a/PROJETO META carrinho - Ryan/8653C1 - Carrinho de controle remoto com função de seguidor de linha - Poster.pptx
+++ b/PROJETO META carrinho - Ryan/8653C1 - Carrinho de controle remoto com função de seguidor de linha - Poster.pptx
@@ -257,7 +257,7 @@
       </p15:sldGuideLst>
     </p:ext>
     <p:ext uri="GoogleSlidesCustomDataVersion2">
-      <go:slidesCustomData xmlns="" xmlns:mc="http://schemas.openxmlformats.org/markup-compatibility/2006" xmlns:mv="urn:schemas-microsoft-com:mac:vml" xmlns:c="http://schemas.openxmlformats.org/drawingml/2006/chart" xmlns:dgm="http://schemas.openxmlformats.org/drawingml/2006/diagram" xmlns:o="urn:schemas-microsoft-com:office:office" xmlns:v="urn:schemas-microsoft-com:vml" xmlns:pvml="urn:schemas-microsoft-com:office:powerpoint" xmlns:com="http://schemas.openxmlformats.org/drawingml/2006/compatibility" xmlns:p14="http://schemas.microsoft.com/office/powerpoint/2010/main" xmlns:p15="http://schemas.microsoft.com/office/powerpoint/2012/main" xmlns:ahyp="http://schemas.microsoft.com/office/drawing/2018/hyperlinkcolor" xmlns:go="http://customooxmlschemas.google.com/" r:id="rId7" roundtripDataSignature="AMtx7mha1JrgkHlgtE2dLaQKituehXtr0g=="/>
+      <go:slidesCustomData xmlns:go="http://customooxmlschemas.google.com/" xmlns:ahyp="http://schemas.microsoft.com/office/drawing/2018/hyperlinkcolor" xmlns:p15="http://schemas.microsoft.com/office/powerpoint/2012/main" xmlns:p14="http://schemas.microsoft.com/office/powerpoint/2010/main" xmlns:com="http://schemas.openxmlformats.org/drawingml/2006/compatibility" xmlns:pvml="urn:schemas-microsoft-com:office:powerpoint" xmlns:v="urn:schemas-microsoft-com:vml" xmlns:o="urn:schemas-microsoft-com:office:office" xmlns:dgm="http://schemas.openxmlformats.org/drawingml/2006/diagram" xmlns:c="http://schemas.openxmlformats.org/drawingml/2006/chart" xmlns:mv="urn:schemas-microsoft-com:mac:vml" xmlns:mc="http://schemas.openxmlformats.org/markup-compatibility/2006" xmlns="" r:id="rId7" roundtripDataSignature="AMtx7mha1JrgkHlgtE2dLaQKituehXtr0g=="/>
     </p:ext>
   </p:extLst>
 </p:presentation>
@@ -7884,7 +7884,7 @@
         </p:nvSpPr>
         <p:spPr>
           <a:xfrm>
-            <a:off x="14758950" y="20980817"/>
+            <a:off x="14758950" y="22123817"/>
             <a:ext cx="13319640" cy="921876"/>
           </a:xfrm>
           <a:prstGeom prst="rect">
@@ -7939,7 +7939,7 @@
         </p:nvSpPr>
         <p:spPr>
           <a:xfrm>
-            <a:off x="14766265" y="25229289"/>
+            <a:off x="14766265" y="26448489"/>
             <a:ext cx="13319640" cy="921876"/>
           </a:xfrm>
           <a:prstGeom prst="rect">
@@ -8300,7 +8300,7 @@
         </p:nvSpPr>
         <p:spPr>
           <a:xfrm>
-            <a:off x="14784840" y="21974701"/>
+            <a:off x="14784840" y="23117701"/>
             <a:ext cx="13319640" cy="2860868"/>
           </a:xfrm>
           <a:prstGeom prst="rect">
@@ -8330,7 +8330,7 @@
               <a:buNone/>
             </a:pPr>
             <a:r>
-              <a:rPr lang="pt-BR" sz="3600" b="0" i="0" u="none" strike="noStrike" cap="none">
+              <a:rPr lang="pt-BR" sz="3600" b="0" i="0" u="none" strike="noStrike" cap="none" dirty="0">
                 <a:solidFill>
                   <a:srgbClr val="000000"/>
                 </a:solidFill>
@@ -8341,7 +8341,7 @@
               </a:rPr>
               <a:t>O protótipo apresenta resultados promissores, sendo seu controle por joystick e smartphone, responsivo e com razoável precisão. Ele foi capaz de completar circuitos lineares e curvos, desviando de objetos apenas em trajetórias lineares ou de pouca curvatura.</a:t>
             </a:r>
-            <a:endParaRPr sz="3600" b="0" i="0" u="none" strike="noStrike" cap="none">
+            <a:endParaRPr sz="3600" b="0" i="0" u="none" strike="noStrike" cap="none" dirty="0">
               <a:solidFill>
                 <a:schemeClr val="dk1"/>
               </a:solidFill>
@@ -8361,8 +8361,8 @@
         </p:nvSpPr>
         <p:spPr>
           <a:xfrm>
-            <a:off x="14758950" y="26262929"/>
-            <a:ext cx="13319640" cy="9508842"/>
+            <a:off x="14758950" y="27482129"/>
+            <a:ext cx="13319640" cy="8400846"/>
           </a:xfrm>
           <a:prstGeom prst="rect">
             <a:avLst/>
@@ -8400,60 +8400,7 @@
                 <a:cs typeface="Verdana"/>
                 <a:sym typeface="Verdana"/>
               </a:rPr>
-              <a:t>O trabalho abre portas para novas aplicações e aprimoramentos futuros, como a inclusão de diferentes sensores (câmera, por exemplo) para maior autonomia e implementação de recursos mais avançados de navegação.</a:t>
-            </a:r>
-            <a:endParaRPr dirty="0"/>
-          </a:p>
-          <a:p>
-            <a:pPr marL="0" marR="0" lvl="0" indent="0" algn="just" rtl="0">
-              <a:lnSpc>
-                <a:spcPct val="100000"/>
-              </a:lnSpc>
-              <a:spcBef>
-                <a:spcPts val="0"/>
-              </a:spcBef>
-              <a:spcAft>
-                <a:spcPts val="0"/>
-              </a:spcAft>
-              <a:buNone/>
-            </a:pPr>
-            <a:r>
-              <a:rPr lang="pt-BR" sz="3600" b="0" i="0" u="none" strike="noStrike" cap="none" dirty="0">
-                <a:solidFill>
-                  <a:schemeClr val="dk1"/>
-                </a:solidFill>
-                <a:latin typeface="Verdana"/>
-                <a:ea typeface="Verdana"/>
-                <a:cs typeface="Verdana"/>
-                <a:sym typeface="Verdana"/>
-              </a:rPr>
-              <a:t>A limitação do número de portas analógicas e digitais do ESP8266 mostrou que ele pode não ser o mais adequado para este trabalho. Em um trabalho futuro, pode ser usado o ESP32, muito mais robusto e com custo não muito diferente.</a:t>
-            </a:r>
-          </a:p>
-          <a:p>
-            <a:pPr marL="0" marR="0" lvl="0" indent="0" algn="just" rtl="0">
-              <a:lnSpc>
-                <a:spcPct val="100000"/>
-              </a:lnSpc>
-              <a:spcBef>
-                <a:spcPts val="0"/>
-              </a:spcBef>
-              <a:spcAft>
-                <a:spcPts val="0"/>
-              </a:spcAft>
-              <a:buNone/>
-            </a:pPr>
-            <a:r>
-              <a:rPr lang="pt-BR" sz="3600" b="0" i="0" u="none" strike="noStrike" cap="none" dirty="0">
-                <a:solidFill>
-                  <a:schemeClr val="dk1"/>
-                </a:solidFill>
-                <a:latin typeface="Verdana"/>
-                <a:ea typeface="Verdana"/>
-                <a:cs typeface="Verdana"/>
-                <a:sym typeface="Verdana"/>
-              </a:rPr>
-              <a:t>O protótipo teve custo de aproximadamente R$200, com possibilidade de ser ainda mais barato caso sejam utilizados menos motores.</a:t>
+              <a:t>O trabalho abre portas para novas aplicações e aprimoramentos futuros, como a inclusão de diferentes sensores (câmera, por exemplo) para maior autonomia e implementação de recursos mais avançados de navegação. A limitação do número de portas analógicas e digitais do ESP8266 mostrou que ele pode não ser o mais adequado para este trabalho. Em um trabalho futuro, pode ser usado o ESP32, muito mais robusto e com custo não muito diferente. O protótipo teve custo de aproximadamente R$200, com possibilidade de ser ainda mais barato caso sejam utilizados menos motores.</a:t>
             </a:r>
           </a:p>
           <a:p>
@@ -8600,7 +8547,7 @@
         </p:nvSpPr>
         <p:spPr>
           <a:xfrm>
-            <a:off x="501179" y="36676254"/>
+            <a:off x="501179" y="37260454"/>
             <a:ext cx="13319640" cy="921876"/>
           </a:xfrm>
           <a:prstGeom prst="rect">
@@ -8663,8 +8610,8 @@
         </p:nvSpPr>
         <p:spPr>
           <a:xfrm>
-            <a:off x="395171" y="37732492"/>
-            <a:ext cx="13319640" cy="3968864"/>
+            <a:off x="395171" y="38316692"/>
+            <a:ext cx="13319640" cy="3414866"/>
           </a:xfrm>
           <a:prstGeom prst="rect">
             <a:avLst/>
@@ -8702,34 +8649,7 @@
                 <a:cs typeface="Verdana"/>
                 <a:sym typeface="Verdana"/>
               </a:rPr>
-              <a:t>O protótipo apresentou um bom funcionamento quando controlado pelo joystick em uma distância de até 35 metros. Para distâncias maiores o delay entre comando e a resposta do carrinho é perceptível.</a:t>
-            </a:r>
-            <a:endParaRPr dirty="0"/>
-          </a:p>
-          <a:p>
-            <a:pPr marL="0" marR="0" lvl="0" indent="0" algn="just" rtl="0">
-              <a:lnSpc>
-                <a:spcPct val="100000"/>
-              </a:lnSpc>
-              <a:spcBef>
-                <a:spcPts val="0"/>
-              </a:spcBef>
-              <a:spcAft>
-                <a:spcPts val="0"/>
-              </a:spcAft>
-              <a:buNone/>
-            </a:pPr>
-            <a:r>
-              <a:rPr lang="pt-BR" sz="3600" b="0" i="0" u="none" strike="noStrike" cap="none" dirty="0">
-                <a:solidFill>
-                  <a:srgbClr val="000000"/>
-                </a:solidFill>
-                <a:latin typeface="Verdana"/>
-                <a:ea typeface="Verdana"/>
-                <a:cs typeface="Verdana"/>
-                <a:sym typeface="Verdana"/>
-              </a:rPr>
-              <a:t>Para o controle via plataforma Blynk, há bom funcionamento desde que haja boa conexão com a Internet.</a:t>
+              <a:t>O protótipo apresentou um bom funcionamento quando controlado pelo joystick em uma distância de até 35 metros. Para distâncias maiores o delay entre comando e a resposta do carrinho é perceptível. Para o controle via plataforma Blynk, há bom funcionamento desde que haja boa conexão com a Internet.</a:t>
             </a:r>
             <a:endParaRPr dirty="0"/>
           </a:p>
@@ -8887,7 +8807,7 @@
         </p:nvSpPr>
         <p:spPr>
           <a:xfrm>
-            <a:off x="-143816" y="35384070"/>
+            <a:off x="-143816" y="35638070"/>
             <a:ext cx="13843030" cy="644877"/>
           </a:xfrm>
           <a:prstGeom prst="rect">
@@ -8955,7 +8875,7 @@
         </p:blipFill>
         <p:spPr>
           <a:xfrm rot="5400000">
-            <a:off x="-606570" y="29161970"/>
+            <a:off x="-606570" y="29415970"/>
             <a:ext cx="7308930" cy="5040000"/>
           </a:xfrm>
           <a:prstGeom prst="rect">
@@ -8982,7 +8902,7 @@
         </p:blipFill>
         <p:spPr>
           <a:xfrm>
-            <a:off x="5803271" y="28125589"/>
+            <a:off x="5803271" y="28379589"/>
             <a:ext cx="7895943" cy="7200000"/>
           </a:xfrm>
           <a:prstGeom prst="rect">
@@ -9011,8 +8931,8 @@
         </p:blipFill>
         <p:spPr>
           <a:xfrm>
-            <a:off x="16244808" y="14870660"/>
-            <a:ext cx="6720000" cy="5040000"/>
+            <a:off x="15136877" y="14928712"/>
+            <a:ext cx="7827931" cy="5870948"/>
           </a:xfrm>
           <a:prstGeom prst="rect">
             <a:avLst/>
@@ -9031,7 +8951,7 @@
         </p:nvSpPr>
         <p:spPr>
           <a:xfrm>
-            <a:off x="14454497" y="19993982"/>
+            <a:off x="14454497" y="20882982"/>
             <a:ext cx="13843030" cy="644877"/>
           </a:xfrm>
           <a:prstGeom prst="rect">
@@ -9101,7 +9021,7 @@
         </p:blipFill>
         <p:spPr>
           <a:xfrm>
-            <a:off x="23421232" y="11675329"/>
+            <a:off x="23421232" y="12564329"/>
             <a:ext cx="3946194" cy="8280000"/>
           </a:xfrm>
           <a:prstGeom prst="rect">
